--- a/TESLA/AULA 1/PROJETO 1/TEMPLATES/templates.pptx
+++ b/TESLA/AULA 1/PROJETO 1/TEMPLATES/templates.pptx
@@ -6,26 +6,27 @@
   </p:sldMasterIdLst>
   <p:sldIdLst>
     <p:sldId id="257" r:id="rId2"/>
-    <p:sldId id="261" r:id="rId3"/>
-    <p:sldId id="264" r:id="rId4"/>
-    <p:sldId id="260" r:id="rId5"/>
-    <p:sldId id="262" r:id="rId6"/>
-    <p:sldId id="259" r:id="rId7"/>
-    <p:sldId id="275" r:id="rId8"/>
-    <p:sldId id="263" r:id="rId9"/>
-    <p:sldId id="265" r:id="rId10"/>
-    <p:sldId id="266" r:id="rId11"/>
-    <p:sldId id="258" r:id="rId12"/>
-    <p:sldId id="269" r:id="rId13"/>
-    <p:sldId id="276" r:id="rId14"/>
-    <p:sldId id="277" r:id="rId15"/>
-    <p:sldId id="270" r:id="rId16"/>
-    <p:sldId id="267" r:id="rId17"/>
-    <p:sldId id="271" r:id="rId18"/>
-    <p:sldId id="272" r:id="rId19"/>
-    <p:sldId id="273" r:id="rId20"/>
-    <p:sldId id="274" r:id="rId21"/>
-    <p:sldId id="268" r:id="rId22"/>
+    <p:sldId id="278" r:id="rId3"/>
+    <p:sldId id="261" r:id="rId4"/>
+    <p:sldId id="264" r:id="rId5"/>
+    <p:sldId id="260" r:id="rId6"/>
+    <p:sldId id="262" r:id="rId7"/>
+    <p:sldId id="259" r:id="rId8"/>
+    <p:sldId id="275" r:id="rId9"/>
+    <p:sldId id="263" r:id="rId10"/>
+    <p:sldId id="265" r:id="rId11"/>
+    <p:sldId id="266" r:id="rId12"/>
+    <p:sldId id="258" r:id="rId13"/>
+    <p:sldId id="269" r:id="rId14"/>
+    <p:sldId id="276" r:id="rId15"/>
+    <p:sldId id="277" r:id="rId16"/>
+    <p:sldId id="270" r:id="rId17"/>
+    <p:sldId id="267" r:id="rId18"/>
+    <p:sldId id="271" r:id="rId19"/>
+    <p:sldId id="272" r:id="rId20"/>
+    <p:sldId id="273" r:id="rId21"/>
+    <p:sldId id="274" r:id="rId22"/>
+    <p:sldId id="268" r:id="rId23"/>
   </p:sldIdLst>
   <p:sldSz cx="10585450" cy="5954713"/>
   <p:notesSz cx="6858000" cy="9144000"/>
@@ -263,7 +264,7 @@
           <a:p>
             <a:fld id="{70E8BCE5-0F82-44C5-9D8E-2B07D2192AF1}" type="datetimeFigureOut">
               <a:rPr lang="pt-BR" smtClean="0"/>
-              <a:t>23/01/2025</a:t>
+              <a:t>04/02/2025</a:t>
             </a:fld>
             <a:endParaRPr lang="pt-BR"/>
           </a:p>
@@ -433,7 +434,7 @@
           <a:p>
             <a:fld id="{70E8BCE5-0F82-44C5-9D8E-2B07D2192AF1}" type="datetimeFigureOut">
               <a:rPr lang="pt-BR" smtClean="0"/>
-              <a:t>23/01/2025</a:t>
+              <a:t>04/02/2025</a:t>
             </a:fld>
             <a:endParaRPr lang="pt-BR"/>
           </a:p>
@@ -613,7 +614,7 @@
           <a:p>
             <a:fld id="{70E8BCE5-0F82-44C5-9D8E-2B07D2192AF1}" type="datetimeFigureOut">
               <a:rPr lang="pt-BR" smtClean="0"/>
-              <a:t>23/01/2025</a:t>
+              <a:t>04/02/2025</a:t>
             </a:fld>
             <a:endParaRPr lang="pt-BR"/>
           </a:p>
@@ -783,7 +784,7 @@
           <a:p>
             <a:fld id="{70E8BCE5-0F82-44C5-9D8E-2B07D2192AF1}" type="datetimeFigureOut">
               <a:rPr lang="pt-BR" smtClean="0"/>
-              <a:t>23/01/2025</a:t>
+              <a:t>04/02/2025</a:t>
             </a:fld>
             <a:endParaRPr lang="pt-BR"/>
           </a:p>
@@ -1029,7 +1030,7 @@
           <a:p>
             <a:fld id="{70E8BCE5-0F82-44C5-9D8E-2B07D2192AF1}" type="datetimeFigureOut">
               <a:rPr lang="pt-BR" smtClean="0"/>
-              <a:t>23/01/2025</a:t>
+              <a:t>04/02/2025</a:t>
             </a:fld>
             <a:endParaRPr lang="pt-BR"/>
           </a:p>
@@ -1261,7 +1262,7 @@
           <a:p>
             <a:fld id="{70E8BCE5-0F82-44C5-9D8E-2B07D2192AF1}" type="datetimeFigureOut">
               <a:rPr lang="pt-BR" smtClean="0"/>
-              <a:t>23/01/2025</a:t>
+              <a:t>04/02/2025</a:t>
             </a:fld>
             <a:endParaRPr lang="pt-BR"/>
           </a:p>
@@ -1628,7 +1629,7 @@
           <a:p>
             <a:fld id="{70E8BCE5-0F82-44C5-9D8E-2B07D2192AF1}" type="datetimeFigureOut">
               <a:rPr lang="pt-BR" smtClean="0"/>
-              <a:t>23/01/2025</a:t>
+              <a:t>04/02/2025</a:t>
             </a:fld>
             <a:endParaRPr lang="pt-BR"/>
           </a:p>
@@ -1746,7 +1747,7 @@
           <a:p>
             <a:fld id="{70E8BCE5-0F82-44C5-9D8E-2B07D2192AF1}" type="datetimeFigureOut">
               <a:rPr lang="pt-BR" smtClean="0"/>
-              <a:t>23/01/2025</a:t>
+              <a:t>04/02/2025</a:t>
             </a:fld>
             <a:endParaRPr lang="pt-BR"/>
           </a:p>
@@ -1841,7 +1842,7 @@
           <a:p>
             <a:fld id="{70E8BCE5-0F82-44C5-9D8E-2B07D2192AF1}" type="datetimeFigureOut">
               <a:rPr lang="pt-BR" smtClean="0"/>
-              <a:t>23/01/2025</a:t>
+              <a:t>04/02/2025</a:t>
             </a:fld>
             <a:endParaRPr lang="pt-BR"/>
           </a:p>
@@ -2118,7 +2119,7 @@
           <a:p>
             <a:fld id="{70E8BCE5-0F82-44C5-9D8E-2B07D2192AF1}" type="datetimeFigureOut">
               <a:rPr lang="pt-BR" smtClean="0"/>
-              <a:t>23/01/2025</a:t>
+              <a:t>04/02/2025</a:t>
             </a:fld>
             <a:endParaRPr lang="pt-BR"/>
           </a:p>
@@ -2375,7 +2376,7 @@
           <a:p>
             <a:fld id="{70E8BCE5-0F82-44C5-9D8E-2B07D2192AF1}" type="datetimeFigureOut">
               <a:rPr lang="pt-BR" smtClean="0"/>
-              <a:t>23/01/2025</a:t>
+              <a:t>04/02/2025</a:t>
             </a:fld>
             <a:endParaRPr lang="pt-BR"/>
           </a:p>
@@ -2588,7 +2589,7 @@
           <a:p>
             <a:fld id="{70E8BCE5-0F82-44C5-9D8E-2B07D2192AF1}" type="datetimeFigureOut">
               <a:rPr lang="pt-BR" smtClean="0"/>
-              <a:t>23/01/2025</a:t>
+              <a:t>04/02/2025</a:t>
             </a:fld>
             <a:endParaRPr lang="pt-BR"/>
           </a:p>
@@ -2986,7 +2987,7 @@
             <a:gs pos="0">
               <a:srgbClr val="893EFF"/>
             </a:gs>
-            <a:gs pos="50000">
+            <a:gs pos="45000">
               <a:srgbClr val="4A2B9A"/>
             </a:gs>
             <a:gs pos="100000">
@@ -3125,204 +3126,6 @@
           </a:p>
         </p:txBody>
       </p:sp>
-      <p:grpSp>
-        <p:nvGrpSpPr>
-          <p:cNvPr id="8" name="Agrupar 7">
-            <a:extLst>
-              <a:ext uri="{FF2B5EF4-FFF2-40B4-BE49-F238E27FC236}">
-                <a16:creationId xmlns:a16="http://schemas.microsoft.com/office/drawing/2014/main" id="{796CA8A0-3C8D-0B2B-5B9C-02C8CE366D10}"/>
-              </a:ext>
-            </a:extLst>
-          </p:cNvPr>
-          <p:cNvGrpSpPr/>
-          <p:nvPr/>
-        </p:nvGrpSpPr>
-        <p:grpSpPr>
-          <a:xfrm>
-            <a:off x="946206" y="1506773"/>
-            <a:ext cx="9032680" cy="711641"/>
-            <a:chOff x="1500809" y="1411357"/>
-            <a:chExt cx="7653131" cy="1162878"/>
-          </a:xfrm>
-        </p:grpSpPr>
-        <p:sp>
-          <p:nvSpPr>
-            <p:cNvPr id="2" name="Retângulo: Cantos Arredondados 1">
-              <a:extLst>
-                <a:ext uri="{FF2B5EF4-FFF2-40B4-BE49-F238E27FC236}">
-                  <a16:creationId xmlns:a16="http://schemas.microsoft.com/office/drawing/2014/main" id="{D5EACE77-82B2-8A48-CC94-2CAD8577658E}"/>
-                </a:ext>
-              </a:extLst>
-            </p:cNvPr>
-            <p:cNvSpPr/>
-            <p:nvPr/>
-          </p:nvSpPr>
-          <p:spPr>
-            <a:xfrm>
-              <a:off x="1500809" y="1411357"/>
-              <a:ext cx="2464905" cy="1162878"/>
-            </a:xfrm>
-            <a:prstGeom prst="roundRect">
-              <a:avLst>
-                <a:gd name="adj" fmla="val 11539"/>
-              </a:avLst>
-            </a:prstGeom>
-            <a:solidFill>
-              <a:srgbClr val="001D31"/>
-            </a:solidFill>
-            <a:ln>
-              <a:solidFill>
-                <a:srgbClr val="893EFF"/>
-              </a:solidFill>
-            </a:ln>
-          </p:spPr>
-          <p:style>
-            <a:lnRef idx="2">
-              <a:schemeClr val="accent1">
-                <a:shade val="15000"/>
-              </a:schemeClr>
-            </a:lnRef>
-            <a:fillRef idx="1">
-              <a:schemeClr val="accent1"/>
-            </a:fillRef>
-            <a:effectRef idx="0">
-              <a:schemeClr val="accent1"/>
-            </a:effectRef>
-            <a:fontRef idx="minor">
-              <a:schemeClr val="lt1"/>
-            </a:fontRef>
-          </p:style>
-          <p:txBody>
-            <a:bodyPr rtlCol="0" anchor="ctr"/>
-            <a:lstStyle/>
-            <a:p>
-              <a:pPr algn="ctr"/>
-              <a:r>
-                <a:rPr lang="pt-BR" sz="2400" dirty="0"/>
-                <a:t>#001d31</a:t>
-              </a:r>
-            </a:p>
-          </p:txBody>
-        </p:sp>
-        <p:sp>
-          <p:nvSpPr>
-            <p:cNvPr id="5" name="Retângulo: Cantos Arredondados 4">
-              <a:extLst>
-                <a:ext uri="{FF2B5EF4-FFF2-40B4-BE49-F238E27FC236}">
-                  <a16:creationId xmlns:a16="http://schemas.microsoft.com/office/drawing/2014/main" id="{1C0CA9F5-9E84-986A-ED15-7025D55A00D2}"/>
-                </a:ext>
-              </a:extLst>
-            </p:cNvPr>
-            <p:cNvSpPr/>
-            <p:nvPr/>
-          </p:nvSpPr>
-          <p:spPr>
-            <a:xfrm>
-              <a:off x="4094922" y="1411357"/>
-              <a:ext cx="2464905" cy="1162878"/>
-            </a:xfrm>
-            <a:prstGeom prst="roundRect">
-              <a:avLst>
-                <a:gd name="adj" fmla="val 11539"/>
-              </a:avLst>
-            </a:prstGeom>
-            <a:solidFill>
-              <a:srgbClr val="001D31"/>
-            </a:solidFill>
-            <a:ln>
-              <a:solidFill>
-                <a:srgbClr val="893EFF"/>
-              </a:solidFill>
-            </a:ln>
-          </p:spPr>
-          <p:style>
-            <a:lnRef idx="2">
-              <a:schemeClr val="accent1">
-                <a:shade val="15000"/>
-              </a:schemeClr>
-            </a:lnRef>
-            <a:fillRef idx="1">
-              <a:schemeClr val="accent1"/>
-            </a:fillRef>
-            <a:effectRef idx="0">
-              <a:schemeClr val="accent1"/>
-            </a:effectRef>
-            <a:fontRef idx="minor">
-              <a:schemeClr val="lt1"/>
-            </a:fontRef>
-          </p:style>
-          <p:txBody>
-            <a:bodyPr rtlCol="0" anchor="ctr"/>
-            <a:lstStyle/>
-            <a:p>
-              <a:pPr algn="ctr"/>
-              <a:r>
-                <a:rPr lang="pt-BR" sz="2400" dirty="0"/>
-                <a:t>#001d31</a:t>
-              </a:r>
-            </a:p>
-          </p:txBody>
-        </p:sp>
-        <p:sp>
-          <p:nvSpPr>
-            <p:cNvPr id="6" name="Retângulo: Cantos Arredondados 5">
-              <a:extLst>
-                <a:ext uri="{FF2B5EF4-FFF2-40B4-BE49-F238E27FC236}">
-                  <a16:creationId xmlns:a16="http://schemas.microsoft.com/office/drawing/2014/main" id="{754EA73D-91DB-4418-DA6E-6AFA407D054F}"/>
-                </a:ext>
-              </a:extLst>
-            </p:cNvPr>
-            <p:cNvSpPr/>
-            <p:nvPr/>
-          </p:nvSpPr>
-          <p:spPr>
-            <a:xfrm>
-              <a:off x="6689035" y="1411357"/>
-              <a:ext cx="2464905" cy="1162878"/>
-            </a:xfrm>
-            <a:prstGeom prst="roundRect">
-              <a:avLst>
-                <a:gd name="adj" fmla="val 11539"/>
-              </a:avLst>
-            </a:prstGeom>
-            <a:solidFill>
-              <a:srgbClr val="001D31"/>
-            </a:solidFill>
-            <a:ln>
-              <a:solidFill>
-                <a:srgbClr val="893EFF"/>
-              </a:solidFill>
-            </a:ln>
-          </p:spPr>
-          <p:style>
-            <a:lnRef idx="2">
-              <a:schemeClr val="accent1">
-                <a:shade val="15000"/>
-              </a:schemeClr>
-            </a:lnRef>
-            <a:fillRef idx="1">
-              <a:schemeClr val="accent1"/>
-            </a:fillRef>
-            <a:effectRef idx="0">
-              <a:schemeClr val="accent1"/>
-            </a:effectRef>
-            <a:fontRef idx="minor">
-              <a:schemeClr val="lt1"/>
-            </a:fontRef>
-          </p:style>
-          <p:txBody>
-            <a:bodyPr rtlCol="0" anchor="ctr"/>
-            <a:lstStyle/>
-            <a:p>
-              <a:pPr algn="ctr"/>
-              <a:r>
-                <a:rPr lang="pt-BR" sz="2400" dirty="0"/>
-                <a:t>#001d31</a:t>
-              </a:r>
-            </a:p>
-          </p:txBody>
-        </p:sp>
-      </p:grpSp>
       <p:sp>
         <p:nvSpPr>
           <p:cNvPr id="7" name="Retângulo 6">
@@ -3337,8 +3140,8 @@
         </p:nvSpPr>
         <p:spPr>
           <a:xfrm>
-            <a:off x="775494" y="225716"/>
-            <a:ext cx="3881127" cy="923330"/>
+            <a:off x="660392" y="241444"/>
+            <a:ext cx="3195041" cy="769441"/>
           </a:xfrm>
           <a:prstGeom prst="rect">
             <a:avLst/>
@@ -3353,7 +3156,7 @@
           <a:p>
             <a:pPr algn="ctr"/>
             <a:r>
-              <a:rPr lang="pt-BR" sz="5400" b="1" cap="none" spc="0" dirty="0">
+              <a:rPr lang="pt-BR" sz="4400" b="1" cap="none" spc="0" dirty="0">
                 <a:ln w="0"/>
                 <a:gradFill>
                   <a:gsLst>
@@ -3397,6 +3200,337 @@
 </file>
 
 <file path=ppt/slides/slide10.xml><?xml version="1.0" encoding="utf-8"?>
+<p:sld xmlns:a="http://schemas.openxmlformats.org/drawingml/2006/main" xmlns:r="http://schemas.openxmlformats.org/officeDocument/2006/relationships" xmlns:p="http://schemas.openxmlformats.org/presentationml/2006/main">
+  <p:cSld>
+    <p:bg>
+      <p:bgPr>
+        <a:gradFill flip="none" rotWithShape="1">
+          <a:gsLst>
+            <a:gs pos="0">
+              <a:srgbClr val="666699"/>
+            </a:gs>
+            <a:gs pos="100000">
+              <a:srgbClr val="011625"/>
+            </a:gs>
+          </a:gsLst>
+          <a:path path="rect">
+            <a:fillToRect l="100000" t="100000"/>
+          </a:path>
+          <a:tileRect r="-100000" b="-100000"/>
+        </a:gradFill>
+        <a:effectLst/>
+      </p:bgPr>
+    </p:bg>
+    <p:spTree>
+      <p:nvGrpSpPr>
+        <p:cNvPr id="1" name="">
+          <a:extLst>
+            <a:ext uri="{FF2B5EF4-FFF2-40B4-BE49-F238E27FC236}">
+              <a16:creationId xmlns:a16="http://schemas.microsoft.com/office/drawing/2014/main" id="{9B07C94D-8D7A-2F1D-15DC-605809A07E00}"/>
+            </a:ext>
+          </a:extLst>
+        </p:cNvPr>
+        <p:cNvGrpSpPr/>
+        <p:nvPr/>
+      </p:nvGrpSpPr>
+      <p:grpSpPr>
+        <a:xfrm>
+          <a:off x="0" y="0"/>
+          <a:ext cx="0" cy="0"/>
+          <a:chOff x="0" y="0"/>
+          <a:chExt cx="0" cy="0"/>
+        </a:xfrm>
+      </p:grpSpPr>
+      <p:sp>
+        <p:nvSpPr>
+          <p:cNvPr id="2" name="Retângulo: Cantos Arredondados 1">
+            <a:extLst>
+              <a:ext uri="{FF2B5EF4-FFF2-40B4-BE49-F238E27FC236}">
+                <a16:creationId xmlns:a16="http://schemas.microsoft.com/office/drawing/2014/main" id="{A84C15DB-1ECC-1254-D5E0-84C649307ED8}"/>
+              </a:ext>
+            </a:extLst>
+          </p:cNvPr>
+          <p:cNvSpPr/>
+          <p:nvPr/>
+        </p:nvSpPr>
+        <p:spPr>
+          <a:xfrm>
+            <a:off x="1469003" y="1564419"/>
+            <a:ext cx="2464905" cy="1162878"/>
+          </a:xfrm>
+          <a:prstGeom prst="roundRect">
+            <a:avLst>
+              <a:gd name="adj" fmla="val 11539"/>
+            </a:avLst>
+          </a:prstGeom>
+          <a:solidFill>
+            <a:srgbClr val="1E1E1E"/>
+          </a:solidFill>
+          <a:ln>
+            <a:solidFill>
+              <a:schemeClr val="tx2">
+                <a:lumMod val="75000"/>
+              </a:schemeClr>
+            </a:solidFill>
+          </a:ln>
+        </p:spPr>
+        <p:style>
+          <a:lnRef idx="2">
+            <a:schemeClr val="accent1">
+              <a:shade val="15000"/>
+            </a:schemeClr>
+          </a:lnRef>
+          <a:fillRef idx="1">
+            <a:schemeClr val="accent1"/>
+          </a:fillRef>
+          <a:effectRef idx="0">
+            <a:schemeClr val="accent1"/>
+          </a:effectRef>
+          <a:fontRef idx="minor">
+            <a:schemeClr val="lt1"/>
+          </a:fontRef>
+        </p:style>
+        <p:txBody>
+          <a:bodyPr rtlCol="0" anchor="ctr"/>
+          <a:lstStyle/>
+          <a:p>
+            <a:pPr algn="ctr"/>
+            <a:r>
+              <a:rPr lang="pt-BR" sz="2400" dirty="0"/>
+              <a:t>#1E1E1E</a:t>
+            </a:r>
+          </a:p>
+        </p:txBody>
+      </p:sp>
+      <p:sp>
+        <p:nvSpPr>
+          <p:cNvPr id="3" name="Retângulo: Cantos Arredondados 2">
+            <a:extLst>
+              <a:ext uri="{FF2B5EF4-FFF2-40B4-BE49-F238E27FC236}">
+                <a16:creationId xmlns:a16="http://schemas.microsoft.com/office/drawing/2014/main" id="{D2307D05-111A-1E32-63BC-679FFDC2D59D}"/>
+              </a:ext>
+            </a:extLst>
+          </p:cNvPr>
+          <p:cNvSpPr/>
+          <p:nvPr/>
+        </p:nvSpPr>
+        <p:spPr>
+          <a:xfrm>
+            <a:off x="0" y="4702383"/>
+            <a:ext cx="2464905" cy="626165"/>
+          </a:xfrm>
+          <a:prstGeom prst="roundRect">
+            <a:avLst>
+              <a:gd name="adj" fmla="val 20086"/>
+            </a:avLst>
+          </a:prstGeom>
+          <a:noFill/>
+          <a:ln>
+            <a:noFill/>
+          </a:ln>
+        </p:spPr>
+        <p:style>
+          <a:lnRef idx="2">
+            <a:schemeClr val="accent1">
+              <a:shade val="15000"/>
+            </a:schemeClr>
+          </a:lnRef>
+          <a:fillRef idx="1">
+            <a:schemeClr val="accent1"/>
+          </a:fillRef>
+          <a:effectRef idx="0">
+            <a:schemeClr val="accent1"/>
+          </a:effectRef>
+          <a:fontRef idx="minor">
+            <a:schemeClr val="lt1"/>
+          </a:fontRef>
+        </p:style>
+        <p:txBody>
+          <a:bodyPr rtlCol="0" anchor="ctr"/>
+          <a:lstStyle/>
+          <a:p>
+            <a:pPr algn="ctr"/>
+            <a:r>
+              <a:rPr lang="pt-BR" sz="3200" dirty="0"/>
+              <a:t>#011625</a:t>
+            </a:r>
+          </a:p>
+        </p:txBody>
+      </p:sp>
+      <p:sp>
+        <p:nvSpPr>
+          <p:cNvPr id="4" name="Retângulo: Cantos Arredondados 3">
+            <a:extLst>
+              <a:ext uri="{FF2B5EF4-FFF2-40B4-BE49-F238E27FC236}">
+                <a16:creationId xmlns:a16="http://schemas.microsoft.com/office/drawing/2014/main" id="{6AEA91F0-D00C-9147-7C26-8A5F94662D00}"/>
+              </a:ext>
+            </a:extLst>
+          </p:cNvPr>
+          <p:cNvSpPr/>
+          <p:nvPr/>
+        </p:nvSpPr>
+        <p:spPr>
+          <a:xfrm>
+            <a:off x="8050696" y="2574235"/>
+            <a:ext cx="2464905" cy="626165"/>
+          </a:xfrm>
+          <a:prstGeom prst="roundRect">
+            <a:avLst>
+              <a:gd name="adj" fmla="val 20086"/>
+            </a:avLst>
+          </a:prstGeom>
+          <a:noFill/>
+          <a:ln>
+            <a:noFill/>
+          </a:ln>
+        </p:spPr>
+        <p:style>
+          <a:lnRef idx="2">
+            <a:schemeClr val="accent1">
+              <a:shade val="15000"/>
+            </a:schemeClr>
+          </a:lnRef>
+          <a:fillRef idx="1">
+            <a:schemeClr val="accent1"/>
+          </a:fillRef>
+          <a:effectRef idx="0">
+            <a:schemeClr val="accent1"/>
+          </a:effectRef>
+          <a:fontRef idx="minor">
+            <a:schemeClr val="lt1"/>
+          </a:fontRef>
+        </p:style>
+        <p:txBody>
+          <a:bodyPr rtlCol="0" anchor="ctr"/>
+          <a:lstStyle/>
+          <a:p>
+            <a:pPr algn="ctr"/>
+            <a:r>
+              <a:rPr lang="pt-BR" sz="3200" dirty="0"/>
+              <a:t>#666699</a:t>
+            </a:r>
+          </a:p>
+        </p:txBody>
+      </p:sp>
+      <p:sp>
+        <p:nvSpPr>
+          <p:cNvPr id="5" name="Retângulo: Cantos Arredondados 4">
+            <a:extLst>
+              <a:ext uri="{FF2B5EF4-FFF2-40B4-BE49-F238E27FC236}">
+                <a16:creationId xmlns:a16="http://schemas.microsoft.com/office/drawing/2014/main" id="{A09CBEC3-D999-8350-321D-443467C0EFE7}"/>
+              </a:ext>
+            </a:extLst>
+          </p:cNvPr>
+          <p:cNvSpPr/>
+          <p:nvPr/>
+        </p:nvSpPr>
+        <p:spPr>
+          <a:xfrm>
+            <a:off x="4123027" y="1564419"/>
+            <a:ext cx="2464905" cy="1162878"/>
+          </a:xfrm>
+          <a:prstGeom prst="roundRect">
+            <a:avLst>
+              <a:gd name="adj" fmla="val 11539"/>
+            </a:avLst>
+          </a:prstGeom>
+          <a:solidFill>
+            <a:srgbClr val="102236"/>
+          </a:solidFill>
+          <a:ln>
+            <a:solidFill>
+              <a:schemeClr val="tx2">
+                <a:lumMod val="75000"/>
+              </a:schemeClr>
+            </a:solidFill>
+          </a:ln>
+        </p:spPr>
+        <p:style>
+          <a:lnRef idx="2">
+            <a:schemeClr val="accent1">
+              <a:shade val="15000"/>
+            </a:schemeClr>
+          </a:lnRef>
+          <a:fillRef idx="1">
+            <a:schemeClr val="accent1"/>
+          </a:fillRef>
+          <a:effectRef idx="0">
+            <a:schemeClr val="accent1"/>
+          </a:effectRef>
+          <a:fontRef idx="minor">
+            <a:schemeClr val="lt1"/>
+          </a:fontRef>
+        </p:style>
+        <p:txBody>
+          <a:bodyPr rtlCol="0" anchor="ctr"/>
+          <a:lstStyle/>
+          <a:p>
+            <a:pPr algn="ctr"/>
+            <a:r>
+              <a:rPr lang="pt-BR" sz="2400" dirty="0"/>
+              <a:t>#102236</a:t>
+            </a:r>
+          </a:p>
+        </p:txBody>
+      </p:sp>
+      <p:sp>
+        <p:nvSpPr>
+          <p:cNvPr id="6" name="Retângulo 5">
+            <a:extLst>
+              <a:ext uri="{FF2B5EF4-FFF2-40B4-BE49-F238E27FC236}">
+                <a16:creationId xmlns:a16="http://schemas.microsoft.com/office/drawing/2014/main" id="{713B93F8-5F22-41AB-A49C-392DCF0F8BCC}"/>
+              </a:ext>
+            </a:extLst>
+          </p:cNvPr>
+          <p:cNvSpPr/>
+          <p:nvPr/>
+        </p:nvSpPr>
+        <p:spPr>
+          <a:xfrm>
+            <a:off x="799348" y="201863"/>
+            <a:ext cx="3881127" cy="923330"/>
+          </a:xfrm>
+          <a:prstGeom prst="rect">
+            <a:avLst/>
+          </a:prstGeom>
+          <a:noFill/>
+        </p:spPr>
+        <p:txBody>
+          <a:bodyPr wrap="none" lIns="91440" tIns="45720" rIns="91440" bIns="45720">
+            <a:spAutoFit/>
+          </a:bodyPr>
+          <a:lstStyle/>
+          <a:p>
+            <a:pPr algn="ctr"/>
+            <a:r>
+              <a:rPr lang="pt-BR" sz="5400" b="1" cap="none" spc="0" dirty="0">
+                <a:ln w="0"/>
+                <a:solidFill>
+                  <a:schemeClr val="bg1"/>
+                </a:solidFill>
+                <a:effectLst>
+                  <a:reflection blurRad="6350" stA="53000" endA="300" endPos="35500" dir="5400000" sy="-90000" algn="bl" rotWithShape="0"/>
+                </a:effectLst>
+              </a:rPr>
+              <a:t>DASHBOARD</a:t>
+            </a:r>
+          </a:p>
+        </p:txBody>
+      </p:sp>
+    </p:spTree>
+    <p:extLst>
+      <p:ext uri="{BB962C8B-B14F-4D97-AF65-F5344CB8AC3E}">
+        <p14:creationId xmlns:p14="http://schemas.microsoft.com/office/powerpoint/2010/main" val="3463716258"/>
+      </p:ext>
+    </p:extLst>
+  </p:cSld>
+  <p:clrMapOvr>
+    <a:masterClrMapping/>
+  </p:clrMapOvr>
+</p:sld>
+</file>
+
+<file path=ppt/slides/slide11.xml><?xml version="1.0" encoding="utf-8"?>
 <p:sld xmlns:a="http://schemas.openxmlformats.org/drawingml/2006/main" xmlns:r="http://schemas.openxmlformats.org/officeDocument/2006/relationships" xmlns:p="http://schemas.openxmlformats.org/presentationml/2006/main">
   <p:cSld>
     <p:bg>
@@ -3620,7 +3754,7 @@
 </p:sld>
 </file>
 
-<file path=ppt/slides/slide11.xml><?xml version="1.0" encoding="utf-8"?>
+<file path=ppt/slides/slide12.xml><?xml version="1.0" encoding="utf-8"?>
 <p:sld xmlns:a="http://schemas.openxmlformats.org/drawingml/2006/main" xmlns:r="http://schemas.openxmlformats.org/officeDocument/2006/relationships" xmlns:p="http://schemas.openxmlformats.org/presentationml/2006/main">
   <p:cSld>
     <p:bg>
@@ -4518,7 +4652,7 @@
 </p:sld>
 </file>
 
-<file path=ppt/slides/slide12.xml><?xml version="1.0" encoding="utf-8"?>
+<file path=ppt/slides/slide13.xml><?xml version="1.0" encoding="utf-8"?>
 <p:sld xmlns:a="http://schemas.openxmlformats.org/drawingml/2006/main" xmlns:r="http://schemas.openxmlformats.org/officeDocument/2006/relationships" xmlns:p="http://schemas.openxmlformats.org/presentationml/2006/main">
   <p:cSld>
     <p:bg>
@@ -5837,7 +5971,7 @@
 </p:sld>
 </file>
 
-<file path=ppt/slides/slide13.xml><?xml version="1.0" encoding="utf-8"?>
+<file path=ppt/slides/slide14.xml><?xml version="1.0" encoding="utf-8"?>
 <p:sld xmlns:a="http://schemas.openxmlformats.org/drawingml/2006/main" xmlns:r="http://schemas.openxmlformats.org/officeDocument/2006/relationships" xmlns:p="http://schemas.openxmlformats.org/presentationml/2006/main">
   <p:cSld>
     <p:bg>
@@ -6867,7 +7001,7 @@
 </p:sld>
 </file>
 
-<file path=ppt/slides/slide14.xml><?xml version="1.0" encoding="utf-8"?>
+<file path=ppt/slides/slide15.xml><?xml version="1.0" encoding="utf-8"?>
 <p:sld xmlns:a="http://schemas.openxmlformats.org/drawingml/2006/main" xmlns:r="http://schemas.openxmlformats.org/officeDocument/2006/relationships" xmlns:p="http://schemas.openxmlformats.org/presentationml/2006/main">
   <p:cSld>
     <p:bg>
@@ -7897,7 +8031,7 @@
 </p:sld>
 </file>
 
-<file path=ppt/slides/slide15.xml><?xml version="1.0" encoding="utf-8"?>
+<file path=ppt/slides/slide16.xml><?xml version="1.0" encoding="utf-8"?>
 <p:sld xmlns:a="http://schemas.openxmlformats.org/drawingml/2006/main" xmlns:r="http://schemas.openxmlformats.org/officeDocument/2006/relationships" xmlns:p="http://schemas.openxmlformats.org/presentationml/2006/main">
   <p:cSld>
     <p:bg>
@@ -8623,7 +8757,7 @@
 </p:sld>
 </file>
 
-<file path=ppt/slides/slide16.xml><?xml version="1.0" encoding="utf-8"?>
+<file path=ppt/slides/slide17.xml><?xml version="1.0" encoding="utf-8"?>
 <p:sld xmlns:a="http://schemas.openxmlformats.org/drawingml/2006/main" xmlns:r="http://schemas.openxmlformats.org/officeDocument/2006/relationships" xmlns:p="http://schemas.openxmlformats.org/presentationml/2006/main">
   <p:cSld>
     <p:bg>
@@ -9237,7 +9371,7 @@
 </p:sld>
 </file>
 
-<file path=ppt/slides/slide17.xml><?xml version="1.0" encoding="utf-8"?>
+<file path=ppt/slides/slide18.xml><?xml version="1.0" encoding="utf-8"?>
 <p:sld xmlns:a="http://schemas.openxmlformats.org/drawingml/2006/main" xmlns:r="http://schemas.openxmlformats.org/officeDocument/2006/relationships" xmlns:p="http://schemas.openxmlformats.org/presentationml/2006/main">
   <p:cSld>
     <p:bg>
@@ -9339,7 +9473,7 @@
 </p:sld>
 </file>
 
-<file path=ppt/slides/slide18.xml><?xml version="1.0" encoding="utf-8"?>
+<file path=ppt/slides/slide19.xml><?xml version="1.0" encoding="utf-8"?>
 <p:sld xmlns:a="http://schemas.openxmlformats.org/drawingml/2006/main" xmlns:r="http://schemas.openxmlformats.org/officeDocument/2006/relationships" xmlns:p="http://schemas.openxmlformats.org/presentationml/2006/main">
   <p:cSld>
     <p:bg>
@@ -9499,7 +9633,427 @@
 </p:sld>
 </file>
 
-<file path=ppt/slides/slide19.xml><?xml version="1.0" encoding="utf-8"?>
+<file path=ppt/slides/slide2.xml><?xml version="1.0" encoding="utf-8"?>
+<p:sld xmlns:a="http://schemas.openxmlformats.org/drawingml/2006/main" xmlns:r="http://schemas.openxmlformats.org/officeDocument/2006/relationships" xmlns:p="http://schemas.openxmlformats.org/presentationml/2006/main" showMasterSp="0">
+  <p:cSld>
+    <p:bg>
+      <p:bgPr>
+        <a:gradFill flip="none" rotWithShape="1">
+          <a:gsLst>
+            <a:gs pos="0">
+              <a:srgbClr val="893EFF"/>
+            </a:gs>
+            <a:gs pos="50000">
+              <a:srgbClr val="4A2B9A"/>
+            </a:gs>
+            <a:gs pos="100000">
+              <a:srgbClr val="011625"/>
+            </a:gs>
+          </a:gsLst>
+          <a:path path="rect">
+            <a:fillToRect l="100000" t="100000"/>
+          </a:path>
+          <a:tileRect r="-100000" b="-100000"/>
+        </a:gradFill>
+        <a:effectLst/>
+      </p:bgPr>
+    </p:bg>
+    <p:spTree>
+      <p:nvGrpSpPr>
+        <p:cNvPr id="1" name=""/>
+        <p:cNvGrpSpPr/>
+        <p:nvPr/>
+      </p:nvGrpSpPr>
+      <p:grpSpPr>
+        <a:xfrm>
+          <a:off x="0" y="0"/>
+          <a:ext cx="0" cy="0"/>
+          <a:chOff x="0" y="0"/>
+          <a:chExt cx="0" cy="0"/>
+        </a:xfrm>
+      </p:grpSpPr>
+      <p:sp>
+        <p:nvSpPr>
+          <p:cNvPr id="3" name="Retângulo: Cantos Arredondados 2">
+            <a:extLst>
+              <a:ext uri="{FF2B5EF4-FFF2-40B4-BE49-F238E27FC236}">
+                <a16:creationId xmlns:a16="http://schemas.microsoft.com/office/drawing/2014/main" id="{A9CDBE8D-8B27-967A-083A-A31F9DCF41D9}"/>
+              </a:ext>
+            </a:extLst>
+          </p:cNvPr>
+          <p:cNvSpPr/>
+          <p:nvPr/>
+        </p:nvSpPr>
+        <p:spPr>
+          <a:xfrm>
+            <a:off x="0" y="4702383"/>
+            <a:ext cx="2464905" cy="626165"/>
+          </a:xfrm>
+          <a:prstGeom prst="roundRect">
+            <a:avLst>
+              <a:gd name="adj" fmla="val 20086"/>
+            </a:avLst>
+          </a:prstGeom>
+          <a:noFill/>
+          <a:ln>
+            <a:noFill/>
+          </a:ln>
+        </p:spPr>
+        <p:style>
+          <a:lnRef idx="2">
+            <a:schemeClr val="accent1">
+              <a:shade val="15000"/>
+            </a:schemeClr>
+          </a:lnRef>
+          <a:fillRef idx="1">
+            <a:schemeClr val="accent1"/>
+          </a:fillRef>
+          <a:effectRef idx="0">
+            <a:schemeClr val="accent1"/>
+          </a:effectRef>
+          <a:fontRef idx="minor">
+            <a:schemeClr val="lt1"/>
+          </a:fontRef>
+        </p:style>
+        <p:txBody>
+          <a:bodyPr rtlCol="0" anchor="ctr"/>
+          <a:lstStyle/>
+          <a:p>
+            <a:pPr algn="ctr"/>
+            <a:r>
+              <a:rPr lang="pt-BR" sz="3200" dirty="0"/>
+              <a:t>#011625</a:t>
+            </a:r>
+          </a:p>
+        </p:txBody>
+      </p:sp>
+      <p:sp>
+        <p:nvSpPr>
+          <p:cNvPr id="4" name="Retângulo: Cantos Arredondados 3">
+            <a:extLst>
+              <a:ext uri="{FF2B5EF4-FFF2-40B4-BE49-F238E27FC236}">
+                <a16:creationId xmlns:a16="http://schemas.microsoft.com/office/drawing/2014/main" id="{C69E8B85-3DC2-898E-C0ED-1735D4E4801E}"/>
+              </a:ext>
+            </a:extLst>
+          </p:cNvPr>
+          <p:cNvSpPr/>
+          <p:nvPr/>
+        </p:nvSpPr>
+        <p:spPr>
+          <a:xfrm>
+            <a:off x="8050696" y="2574235"/>
+            <a:ext cx="2464905" cy="626165"/>
+          </a:xfrm>
+          <a:prstGeom prst="roundRect">
+            <a:avLst>
+              <a:gd name="adj" fmla="val 20086"/>
+            </a:avLst>
+          </a:prstGeom>
+          <a:noFill/>
+          <a:ln>
+            <a:noFill/>
+          </a:ln>
+        </p:spPr>
+        <p:style>
+          <a:lnRef idx="2">
+            <a:schemeClr val="accent1">
+              <a:shade val="15000"/>
+            </a:schemeClr>
+          </a:lnRef>
+          <a:fillRef idx="1">
+            <a:schemeClr val="accent1"/>
+          </a:fillRef>
+          <a:effectRef idx="0">
+            <a:schemeClr val="accent1"/>
+          </a:effectRef>
+          <a:fontRef idx="minor">
+            <a:schemeClr val="lt1"/>
+          </a:fontRef>
+        </p:style>
+        <p:txBody>
+          <a:bodyPr rtlCol="0" anchor="ctr"/>
+          <a:lstStyle/>
+          <a:p>
+            <a:pPr algn="ctr"/>
+            <a:r>
+              <a:rPr lang="pt-BR" sz="3200" dirty="0"/>
+              <a:t>#001d31</a:t>
+            </a:r>
+          </a:p>
+        </p:txBody>
+      </p:sp>
+      <p:grpSp>
+        <p:nvGrpSpPr>
+          <p:cNvPr id="8" name="Agrupar 7">
+            <a:extLst>
+              <a:ext uri="{FF2B5EF4-FFF2-40B4-BE49-F238E27FC236}">
+                <a16:creationId xmlns:a16="http://schemas.microsoft.com/office/drawing/2014/main" id="{796CA8A0-3C8D-0B2B-5B9C-02C8CE366D10}"/>
+              </a:ext>
+            </a:extLst>
+          </p:cNvPr>
+          <p:cNvGrpSpPr/>
+          <p:nvPr/>
+        </p:nvGrpSpPr>
+        <p:grpSpPr>
+          <a:xfrm>
+            <a:off x="946206" y="1506773"/>
+            <a:ext cx="9032680" cy="711641"/>
+            <a:chOff x="1500809" y="1411357"/>
+            <a:chExt cx="7653131" cy="1162878"/>
+          </a:xfrm>
+        </p:grpSpPr>
+        <p:sp>
+          <p:nvSpPr>
+            <p:cNvPr id="2" name="Retângulo: Cantos Arredondados 1">
+              <a:extLst>
+                <a:ext uri="{FF2B5EF4-FFF2-40B4-BE49-F238E27FC236}">
+                  <a16:creationId xmlns:a16="http://schemas.microsoft.com/office/drawing/2014/main" id="{D5EACE77-82B2-8A48-CC94-2CAD8577658E}"/>
+                </a:ext>
+              </a:extLst>
+            </p:cNvPr>
+            <p:cNvSpPr/>
+            <p:nvPr/>
+          </p:nvSpPr>
+          <p:spPr>
+            <a:xfrm>
+              <a:off x="1500809" y="1411357"/>
+              <a:ext cx="2464905" cy="1162878"/>
+            </a:xfrm>
+            <a:prstGeom prst="roundRect">
+              <a:avLst>
+                <a:gd name="adj" fmla="val 11539"/>
+              </a:avLst>
+            </a:prstGeom>
+            <a:solidFill>
+              <a:srgbClr val="001D31"/>
+            </a:solidFill>
+            <a:ln>
+              <a:solidFill>
+                <a:srgbClr val="893EFF"/>
+              </a:solidFill>
+            </a:ln>
+          </p:spPr>
+          <p:style>
+            <a:lnRef idx="2">
+              <a:schemeClr val="accent1">
+                <a:shade val="15000"/>
+              </a:schemeClr>
+            </a:lnRef>
+            <a:fillRef idx="1">
+              <a:schemeClr val="accent1"/>
+            </a:fillRef>
+            <a:effectRef idx="0">
+              <a:schemeClr val="accent1"/>
+            </a:effectRef>
+            <a:fontRef idx="minor">
+              <a:schemeClr val="lt1"/>
+            </a:fontRef>
+          </p:style>
+          <p:txBody>
+            <a:bodyPr rtlCol="0" anchor="ctr"/>
+            <a:lstStyle/>
+            <a:p>
+              <a:pPr algn="ctr"/>
+              <a:r>
+                <a:rPr lang="pt-BR" sz="2400" dirty="0"/>
+                <a:t>#001d31</a:t>
+              </a:r>
+            </a:p>
+          </p:txBody>
+        </p:sp>
+        <p:sp>
+          <p:nvSpPr>
+            <p:cNvPr id="5" name="Retângulo: Cantos Arredondados 4">
+              <a:extLst>
+                <a:ext uri="{FF2B5EF4-FFF2-40B4-BE49-F238E27FC236}">
+                  <a16:creationId xmlns:a16="http://schemas.microsoft.com/office/drawing/2014/main" id="{1C0CA9F5-9E84-986A-ED15-7025D55A00D2}"/>
+                </a:ext>
+              </a:extLst>
+            </p:cNvPr>
+            <p:cNvSpPr/>
+            <p:nvPr/>
+          </p:nvSpPr>
+          <p:spPr>
+            <a:xfrm>
+              <a:off x="4094922" y="1411357"/>
+              <a:ext cx="2464905" cy="1162878"/>
+            </a:xfrm>
+            <a:prstGeom prst="roundRect">
+              <a:avLst>
+                <a:gd name="adj" fmla="val 11539"/>
+              </a:avLst>
+            </a:prstGeom>
+            <a:solidFill>
+              <a:srgbClr val="001D31"/>
+            </a:solidFill>
+            <a:ln>
+              <a:solidFill>
+                <a:srgbClr val="893EFF"/>
+              </a:solidFill>
+            </a:ln>
+          </p:spPr>
+          <p:style>
+            <a:lnRef idx="2">
+              <a:schemeClr val="accent1">
+                <a:shade val="15000"/>
+              </a:schemeClr>
+            </a:lnRef>
+            <a:fillRef idx="1">
+              <a:schemeClr val="accent1"/>
+            </a:fillRef>
+            <a:effectRef idx="0">
+              <a:schemeClr val="accent1"/>
+            </a:effectRef>
+            <a:fontRef idx="minor">
+              <a:schemeClr val="lt1"/>
+            </a:fontRef>
+          </p:style>
+          <p:txBody>
+            <a:bodyPr rtlCol="0" anchor="ctr"/>
+            <a:lstStyle/>
+            <a:p>
+              <a:pPr algn="ctr"/>
+              <a:r>
+                <a:rPr lang="pt-BR" sz="2400" dirty="0"/>
+                <a:t>#001d31</a:t>
+              </a:r>
+            </a:p>
+          </p:txBody>
+        </p:sp>
+        <p:sp>
+          <p:nvSpPr>
+            <p:cNvPr id="6" name="Retângulo: Cantos Arredondados 5">
+              <a:extLst>
+                <a:ext uri="{FF2B5EF4-FFF2-40B4-BE49-F238E27FC236}">
+                  <a16:creationId xmlns:a16="http://schemas.microsoft.com/office/drawing/2014/main" id="{754EA73D-91DB-4418-DA6E-6AFA407D054F}"/>
+                </a:ext>
+              </a:extLst>
+            </p:cNvPr>
+            <p:cNvSpPr/>
+            <p:nvPr/>
+          </p:nvSpPr>
+          <p:spPr>
+            <a:xfrm>
+              <a:off x="6689035" y="1411357"/>
+              <a:ext cx="2464905" cy="1162878"/>
+            </a:xfrm>
+            <a:prstGeom prst="roundRect">
+              <a:avLst>
+                <a:gd name="adj" fmla="val 11539"/>
+              </a:avLst>
+            </a:prstGeom>
+            <a:solidFill>
+              <a:srgbClr val="001D31"/>
+            </a:solidFill>
+            <a:ln>
+              <a:solidFill>
+                <a:srgbClr val="893EFF"/>
+              </a:solidFill>
+            </a:ln>
+          </p:spPr>
+          <p:style>
+            <a:lnRef idx="2">
+              <a:schemeClr val="accent1">
+                <a:shade val="15000"/>
+              </a:schemeClr>
+            </a:lnRef>
+            <a:fillRef idx="1">
+              <a:schemeClr val="accent1"/>
+            </a:fillRef>
+            <a:effectRef idx="0">
+              <a:schemeClr val="accent1"/>
+            </a:effectRef>
+            <a:fontRef idx="minor">
+              <a:schemeClr val="lt1"/>
+            </a:fontRef>
+          </p:style>
+          <p:txBody>
+            <a:bodyPr rtlCol="0" anchor="ctr"/>
+            <a:lstStyle/>
+            <a:p>
+              <a:pPr algn="ctr"/>
+              <a:r>
+                <a:rPr lang="pt-BR" sz="2400" dirty="0"/>
+                <a:t>#001d31</a:t>
+              </a:r>
+            </a:p>
+          </p:txBody>
+        </p:sp>
+      </p:grpSp>
+      <p:sp>
+        <p:nvSpPr>
+          <p:cNvPr id="7" name="Retângulo 6">
+            <a:extLst>
+              <a:ext uri="{FF2B5EF4-FFF2-40B4-BE49-F238E27FC236}">
+                <a16:creationId xmlns:a16="http://schemas.microsoft.com/office/drawing/2014/main" id="{B8412699-550A-E7A8-2E5D-3F1384620278}"/>
+              </a:ext>
+            </a:extLst>
+          </p:cNvPr>
+          <p:cNvSpPr/>
+          <p:nvPr/>
+        </p:nvSpPr>
+        <p:spPr>
+          <a:xfrm>
+            <a:off x="660392" y="241444"/>
+            <a:ext cx="3195041" cy="769441"/>
+          </a:xfrm>
+          <a:prstGeom prst="rect">
+            <a:avLst/>
+          </a:prstGeom>
+          <a:noFill/>
+        </p:spPr>
+        <p:txBody>
+          <a:bodyPr wrap="none" lIns="91440" tIns="45720" rIns="91440" bIns="45720">
+            <a:spAutoFit/>
+          </a:bodyPr>
+          <a:lstStyle/>
+          <a:p>
+            <a:pPr algn="ctr"/>
+            <a:r>
+              <a:rPr lang="pt-BR" sz="4400" b="1" cap="none" spc="0" dirty="0">
+                <a:ln w="0"/>
+                <a:gradFill>
+                  <a:gsLst>
+                    <a:gs pos="0">
+                      <a:schemeClr val="accent5">
+                        <a:lumMod val="50000"/>
+                      </a:schemeClr>
+                    </a:gs>
+                    <a:gs pos="50000">
+                      <a:schemeClr val="accent5"/>
+                    </a:gs>
+                    <a:gs pos="100000">
+                      <a:schemeClr val="accent5">
+                        <a:lumMod val="60000"/>
+                        <a:lumOff val="40000"/>
+                      </a:schemeClr>
+                    </a:gs>
+                  </a:gsLst>
+                  <a:lin ang="5400000"/>
+                </a:gradFill>
+                <a:effectLst>
+                  <a:reflection blurRad="6350" stA="53000" endA="300" endPos="35500" dir="5400000" sy="-90000" algn="bl" rotWithShape="0"/>
+                </a:effectLst>
+              </a:rPr>
+              <a:t>DASHBOARD</a:t>
+            </a:r>
+          </a:p>
+        </p:txBody>
+      </p:sp>
+    </p:spTree>
+    <p:extLst>
+      <p:ext uri="{BB962C8B-B14F-4D97-AF65-F5344CB8AC3E}">
+        <p14:creationId xmlns:p14="http://schemas.microsoft.com/office/powerpoint/2010/main" val="4125632588"/>
+      </p:ext>
+    </p:extLst>
+  </p:cSld>
+  <p:clrMapOvr>
+    <a:masterClrMapping/>
+  </p:clrMapOvr>
+</p:sld>
+</file>
+
+<file path=ppt/slides/slide20.xml><?xml version="1.0" encoding="utf-8"?>
 <p:sld xmlns:a="http://schemas.openxmlformats.org/drawingml/2006/main" xmlns:r="http://schemas.openxmlformats.org/officeDocument/2006/relationships" xmlns:p="http://schemas.openxmlformats.org/presentationml/2006/main">
   <p:cSld>
     <p:bg>
@@ -9659,234 +10213,7 @@
 </p:sld>
 </file>
 
-<file path=ppt/slides/slide2.xml><?xml version="1.0" encoding="utf-8"?>
-<p:sld xmlns:a="http://schemas.openxmlformats.org/drawingml/2006/main" xmlns:r="http://schemas.openxmlformats.org/officeDocument/2006/relationships" xmlns:p="http://schemas.openxmlformats.org/presentationml/2006/main" showMasterSp="0">
-  <p:cSld>
-    <p:bg>
-      <p:bgPr>
-        <a:gradFill flip="none" rotWithShape="1">
-          <a:gsLst>
-            <a:gs pos="0">
-              <a:srgbClr val="893EFF"/>
-            </a:gs>
-            <a:gs pos="52000">
-              <a:srgbClr val="4A2B9A"/>
-            </a:gs>
-            <a:gs pos="100000">
-              <a:srgbClr val="011625"/>
-            </a:gs>
-          </a:gsLst>
-          <a:path path="rect">
-            <a:fillToRect l="100000" t="100000"/>
-          </a:path>
-          <a:tileRect r="-100000" b="-100000"/>
-        </a:gradFill>
-        <a:effectLst/>
-      </p:bgPr>
-    </p:bg>
-    <p:spTree>
-      <p:nvGrpSpPr>
-        <p:cNvPr id="1" name="">
-          <a:extLst>
-            <a:ext uri="{FF2B5EF4-FFF2-40B4-BE49-F238E27FC236}">
-              <a16:creationId xmlns:a16="http://schemas.microsoft.com/office/drawing/2014/main" id="{427B636E-96B1-EEA1-A7E2-FAD78631516A}"/>
-            </a:ext>
-          </a:extLst>
-        </p:cNvPr>
-        <p:cNvGrpSpPr/>
-        <p:nvPr/>
-      </p:nvGrpSpPr>
-      <p:grpSpPr>
-        <a:xfrm>
-          <a:off x="0" y="0"/>
-          <a:ext cx="0" cy="0"/>
-          <a:chOff x="0" y="0"/>
-          <a:chExt cx="0" cy="0"/>
-        </a:xfrm>
-      </p:grpSpPr>
-      <p:sp>
-        <p:nvSpPr>
-          <p:cNvPr id="2" name="Retângulo 1">
-            <a:extLst>
-              <a:ext uri="{FF2B5EF4-FFF2-40B4-BE49-F238E27FC236}">
-                <a16:creationId xmlns:a16="http://schemas.microsoft.com/office/drawing/2014/main" id="{7515F417-60B6-544E-BC8E-22CECFAF6E40}"/>
-              </a:ext>
-            </a:extLst>
-          </p:cNvPr>
-          <p:cNvSpPr/>
-          <p:nvPr/>
-        </p:nvSpPr>
-        <p:spPr>
-          <a:xfrm>
-            <a:off x="799348" y="201863"/>
-            <a:ext cx="3881127" cy="923330"/>
-          </a:xfrm>
-          <a:prstGeom prst="rect">
-            <a:avLst/>
-          </a:prstGeom>
-          <a:noFill/>
-        </p:spPr>
-        <p:txBody>
-          <a:bodyPr wrap="none" lIns="91440" tIns="45720" rIns="91440" bIns="45720">
-            <a:spAutoFit/>
-          </a:bodyPr>
-          <a:lstStyle/>
-          <a:p>
-            <a:pPr algn="ctr"/>
-            <a:r>
-              <a:rPr lang="pt-BR" sz="5400" b="1" cap="none" spc="0" dirty="0">
-                <a:ln w="0"/>
-                <a:solidFill>
-                  <a:schemeClr val="bg1"/>
-                </a:solidFill>
-                <a:effectLst>
-                  <a:reflection blurRad="6350" stA="53000" endA="300" endPos="35500" dir="5400000" sy="-90000" algn="bl" rotWithShape="0"/>
-                </a:effectLst>
-              </a:rPr>
-              <a:t>DASHBOARD</a:t>
-            </a:r>
-          </a:p>
-        </p:txBody>
-      </p:sp>
-      <p:grpSp>
-        <p:nvGrpSpPr>
-          <p:cNvPr id="3" name="Agrupar 2">
-            <a:extLst>
-              <a:ext uri="{FF2B5EF4-FFF2-40B4-BE49-F238E27FC236}">
-                <a16:creationId xmlns:a16="http://schemas.microsoft.com/office/drawing/2014/main" id="{F8DCA50F-BEA0-E489-6155-21F7B0F0D403}"/>
-              </a:ext>
-            </a:extLst>
-          </p:cNvPr>
-          <p:cNvGrpSpPr/>
-          <p:nvPr/>
-        </p:nvGrpSpPr>
-        <p:grpSpPr>
-          <a:xfrm>
-            <a:off x="1193828" y="1455089"/>
-            <a:ext cx="8197794" cy="850789"/>
-            <a:chOff x="1237561" y="1455089"/>
-            <a:chExt cx="8197794" cy="850789"/>
-          </a:xfrm>
-        </p:grpSpPr>
-        <p:sp>
-          <p:nvSpPr>
-            <p:cNvPr id="4" name="Retângulo: Cantos Arredondados 3">
-              <a:extLst>
-                <a:ext uri="{FF2B5EF4-FFF2-40B4-BE49-F238E27FC236}">
-                  <a16:creationId xmlns:a16="http://schemas.microsoft.com/office/drawing/2014/main" id="{670D3827-602C-A90D-6708-2ACB71DF62C6}"/>
-                </a:ext>
-              </a:extLst>
-            </p:cNvPr>
-            <p:cNvSpPr/>
-            <p:nvPr/>
-          </p:nvSpPr>
-          <p:spPr>
-            <a:xfrm>
-              <a:off x="1237561" y="1455089"/>
-              <a:ext cx="3792772" cy="850789"/>
-            </a:xfrm>
-            <a:prstGeom prst="roundRect">
-              <a:avLst/>
-            </a:prstGeom>
-            <a:noFill/>
-            <a:ln>
-              <a:solidFill>
-                <a:srgbClr val="3D6283"/>
-              </a:solidFill>
-            </a:ln>
-          </p:spPr>
-          <p:style>
-            <a:lnRef idx="2">
-              <a:schemeClr val="accent1">
-                <a:shade val="15000"/>
-              </a:schemeClr>
-            </a:lnRef>
-            <a:fillRef idx="1">
-              <a:schemeClr val="accent1"/>
-            </a:fillRef>
-            <a:effectRef idx="0">
-              <a:schemeClr val="accent1"/>
-            </a:effectRef>
-            <a:fontRef idx="minor">
-              <a:schemeClr val="lt1"/>
-            </a:fontRef>
-          </p:style>
-          <p:txBody>
-            <a:bodyPr rtlCol="0" anchor="ctr"/>
-            <a:lstStyle/>
-            <a:p>
-              <a:pPr algn="ctr"/>
-              <a:endParaRPr lang="pt-BR"/>
-            </a:p>
-          </p:txBody>
-        </p:sp>
-        <p:sp>
-          <p:nvSpPr>
-            <p:cNvPr id="5" name="Retângulo: Cantos Arredondados 4">
-              <a:extLst>
-                <a:ext uri="{FF2B5EF4-FFF2-40B4-BE49-F238E27FC236}">
-                  <a16:creationId xmlns:a16="http://schemas.microsoft.com/office/drawing/2014/main" id="{FC19F6B3-F18A-EEFB-672D-E4EA94373371}"/>
-                </a:ext>
-              </a:extLst>
-            </p:cNvPr>
-            <p:cNvSpPr/>
-            <p:nvPr/>
-          </p:nvSpPr>
-          <p:spPr>
-            <a:xfrm>
-              <a:off x="5642583" y="1455089"/>
-              <a:ext cx="3792772" cy="850789"/>
-            </a:xfrm>
-            <a:prstGeom prst="roundRect">
-              <a:avLst/>
-            </a:prstGeom>
-            <a:noFill/>
-            <a:ln>
-              <a:solidFill>
-                <a:srgbClr val="3D6283"/>
-              </a:solidFill>
-            </a:ln>
-          </p:spPr>
-          <p:style>
-            <a:lnRef idx="2">
-              <a:schemeClr val="accent1">
-                <a:shade val="15000"/>
-              </a:schemeClr>
-            </a:lnRef>
-            <a:fillRef idx="1">
-              <a:schemeClr val="accent1"/>
-            </a:fillRef>
-            <a:effectRef idx="0">
-              <a:schemeClr val="accent1"/>
-            </a:effectRef>
-            <a:fontRef idx="minor">
-              <a:schemeClr val="lt1"/>
-            </a:fontRef>
-          </p:style>
-          <p:txBody>
-            <a:bodyPr rtlCol="0" anchor="ctr"/>
-            <a:lstStyle/>
-            <a:p>
-              <a:pPr algn="ctr"/>
-              <a:endParaRPr lang="pt-BR"/>
-            </a:p>
-          </p:txBody>
-        </p:sp>
-      </p:grpSp>
-    </p:spTree>
-    <p:extLst>
-      <p:ext uri="{BB962C8B-B14F-4D97-AF65-F5344CB8AC3E}">
-        <p14:creationId xmlns:p14="http://schemas.microsoft.com/office/powerpoint/2010/main" val="14958889"/>
-      </p:ext>
-    </p:extLst>
-  </p:cSld>
-  <p:clrMapOvr>
-    <a:masterClrMapping/>
-  </p:clrMapOvr>
-</p:sld>
-</file>
-
-<file path=ppt/slides/slide20.xml><?xml version="1.0" encoding="utf-8"?>
+<file path=ppt/slides/slide21.xml><?xml version="1.0" encoding="utf-8"?>
 <p:sld xmlns:a="http://schemas.openxmlformats.org/drawingml/2006/main" xmlns:r="http://schemas.openxmlformats.org/officeDocument/2006/relationships" xmlns:p="http://schemas.openxmlformats.org/presentationml/2006/main">
   <p:cSld>
     <p:bg>
@@ -10046,7 +10373,7 @@
 </p:sld>
 </file>
 
-<file path=ppt/slides/slide21.xml><?xml version="1.0" encoding="utf-8"?>
+<file path=ppt/slides/slide22.xml><?xml version="1.0" encoding="utf-8"?>
 <p:sld xmlns:a="http://schemas.openxmlformats.org/drawingml/2006/main" xmlns:r="http://schemas.openxmlformats.org/officeDocument/2006/relationships" xmlns:p="http://schemas.openxmlformats.org/presentationml/2006/main">
   <p:cSld>
     <p:bg>
@@ -10793,6 +11120,233 @@
               <a:srgbClr val="011625"/>
             </a:gs>
           </a:gsLst>
+          <a:path path="rect">
+            <a:fillToRect l="100000" t="100000"/>
+          </a:path>
+          <a:tileRect r="-100000" b="-100000"/>
+        </a:gradFill>
+        <a:effectLst/>
+      </p:bgPr>
+    </p:bg>
+    <p:spTree>
+      <p:nvGrpSpPr>
+        <p:cNvPr id="1" name="">
+          <a:extLst>
+            <a:ext uri="{FF2B5EF4-FFF2-40B4-BE49-F238E27FC236}">
+              <a16:creationId xmlns:a16="http://schemas.microsoft.com/office/drawing/2014/main" id="{427B636E-96B1-EEA1-A7E2-FAD78631516A}"/>
+            </a:ext>
+          </a:extLst>
+        </p:cNvPr>
+        <p:cNvGrpSpPr/>
+        <p:nvPr/>
+      </p:nvGrpSpPr>
+      <p:grpSpPr>
+        <a:xfrm>
+          <a:off x="0" y="0"/>
+          <a:ext cx="0" cy="0"/>
+          <a:chOff x="0" y="0"/>
+          <a:chExt cx="0" cy="0"/>
+        </a:xfrm>
+      </p:grpSpPr>
+      <p:sp>
+        <p:nvSpPr>
+          <p:cNvPr id="2" name="Retângulo 1">
+            <a:extLst>
+              <a:ext uri="{FF2B5EF4-FFF2-40B4-BE49-F238E27FC236}">
+                <a16:creationId xmlns:a16="http://schemas.microsoft.com/office/drawing/2014/main" id="{7515F417-60B6-544E-BC8E-22CECFAF6E40}"/>
+              </a:ext>
+            </a:extLst>
+          </p:cNvPr>
+          <p:cNvSpPr/>
+          <p:nvPr/>
+        </p:nvSpPr>
+        <p:spPr>
+          <a:xfrm>
+            <a:off x="799348" y="201863"/>
+            <a:ext cx="3881127" cy="923330"/>
+          </a:xfrm>
+          <a:prstGeom prst="rect">
+            <a:avLst/>
+          </a:prstGeom>
+          <a:noFill/>
+        </p:spPr>
+        <p:txBody>
+          <a:bodyPr wrap="none" lIns="91440" tIns="45720" rIns="91440" bIns="45720">
+            <a:spAutoFit/>
+          </a:bodyPr>
+          <a:lstStyle/>
+          <a:p>
+            <a:pPr algn="ctr"/>
+            <a:r>
+              <a:rPr lang="pt-BR" sz="5400" b="1" cap="none" spc="0" dirty="0">
+                <a:ln w="0"/>
+                <a:solidFill>
+                  <a:schemeClr val="bg1"/>
+                </a:solidFill>
+                <a:effectLst>
+                  <a:reflection blurRad="6350" stA="53000" endA="300" endPos="35500" dir="5400000" sy="-90000" algn="bl" rotWithShape="0"/>
+                </a:effectLst>
+              </a:rPr>
+              <a:t>DASHBOARD</a:t>
+            </a:r>
+          </a:p>
+        </p:txBody>
+      </p:sp>
+      <p:grpSp>
+        <p:nvGrpSpPr>
+          <p:cNvPr id="3" name="Agrupar 2">
+            <a:extLst>
+              <a:ext uri="{FF2B5EF4-FFF2-40B4-BE49-F238E27FC236}">
+                <a16:creationId xmlns:a16="http://schemas.microsoft.com/office/drawing/2014/main" id="{F8DCA50F-BEA0-E489-6155-21F7B0F0D403}"/>
+              </a:ext>
+            </a:extLst>
+          </p:cNvPr>
+          <p:cNvGrpSpPr/>
+          <p:nvPr/>
+        </p:nvGrpSpPr>
+        <p:grpSpPr>
+          <a:xfrm>
+            <a:off x="1193828" y="1455089"/>
+            <a:ext cx="8197794" cy="850789"/>
+            <a:chOff x="1237561" y="1455089"/>
+            <a:chExt cx="8197794" cy="850789"/>
+          </a:xfrm>
+        </p:grpSpPr>
+        <p:sp>
+          <p:nvSpPr>
+            <p:cNvPr id="4" name="Retângulo: Cantos Arredondados 3">
+              <a:extLst>
+                <a:ext uri="{FF2B5EF4-FFF2-40B4-BE49-F238E27FC236}">
+                  <a16:creationId xmlns:a16="http://schemas.microsoft.com/office/drawing/2014/main" id="{670D3827-602C-A90D-6708-2ACB71DF62C6}"/>
+                </a:ext>
+              </a:extLst>
+            </p:cNvPr>
+            <p:cNvSpPr/>
+            <p:nvPr/>
+          </p:nvSpPr>
+          <p:spPr>
+            <a:xfrm>
+              <a:off x="1237561" y="1455089"/>
+              <a:ext cx="3792772" cy="850789"/>
+            </a:xfrm>
+            <a:prstGeom prst="roundRect">
+              <a:avLst/>
+            </a:prstGeom>
+            <a:noFill/>
+            <a:ln>
+              <a:solidFill>
+                <a:srgbClr val="3D6283"/>
+              </a:solidFill>
+            </a:ln>
+          </p:spPr>
+          <p:style>
+            <a:lnRef idx="2">
+              <a:schemeClr val="accent1">
+                <a:shade val="15000"/>
+              </a:schemeClr>
+            </a:lnRef>
+            <a:fillRef idx="1">
+              <a:schemeClr val="accent1"/>
+            </a:fillRef>
+            <a:effectRef idx="0">
+              <a:schemeClr val="accent1"/>
+            </a:effectRef>
+            <a:fontRef idx="minor">
+              <a:schemeClr val="lt1"/>
+            </a:fontRef>
+          </p:style>
+          <p:txBody>
+            <a:bodyPr rtlCol="0" anchor="ctr"/>
+            <a:lstStyle/>
+            <a:p>
+              <a:pPr algn="ctr"/>
+              <a:endParaRPr lang="pt-BR"/>
+            </a:p>
+          </p:txBody>
+        </p:sp>
+        <p:sp>
+          <p:nvSpPr>
+            <p:cNvPr id="5" name="Retângulo: Cantos Arredondados 4">
+              <a:extLst>
+                <a:ext uri="{FF2B5EF4-FFF2-40B4-BE49-F238E27FC236}">
+                  <a16:creationId xmlns:a16="http://schemas.microsoft.com/office/drawing/2014/main" id="{FC19F6B3-F18A-EEFB-672D-E4EA94373371}"/>
+                </a:ext>
+              </a:extLst>
+            </p:cNvPr>
+            <p:cNvSpPr/>
+            <p:nvPr/>
+          </p:nvSpPr>
+          <p:spPr>
+            <a:xfrm>
+              <a:off x="5642583" y="1455089"/>
+              <a:ext cx="3792772" cy="850789"/>
+            </a:xfrm>
+            <a:prstGeom prst="roundRect">
+              <a:avLst/>
+            </a:prstGeom>
+            <a:noFill/>
+            <a:ln>
+              <a:solidFill>
+                <a:srgbClr val="3D6283"/>
+              </a:solidFill>
+            </a:ln>
+          </p:spPr>
+          <p:style>
+            <a:lnRef idx="2">
+              <a:schemeClr val="accent1">
+                <a:shade val="15000"/>
+              </a:schemeClr>
+            </a:lnRef>
+            <a:fillRef idx="1">
+              <a:schemeClr val="accent1"/>
+            </a:fillRef>
+            <a:effectRef idx="0">
+              <a:schemeClr val="accent1"/>
+            </a:effectRef>
+            <a:fontRef idx="minor">
+              <a:schemeClr val="lt1"/>
+            </a:fontRef>
+          </p:style>
+          <p:txBody>
+            <a:bodyPr rtlCol="0" anchor="ctr"/>
+            <a:lstStyle/>
+            <a:p>
+              <a:pPr algn="ctr"/>
+              <a:endParaRPr lang="pt-BR"/>
+            </a:p>
+          </p:txBody>
+        </p:sp>
+      </p:grpSp>
+    </p:spTree>
+    <p:extLst>
+      <p:ext uri="{BB962C8B-B14F-4D97-AF65-F5344CB8AC3E}">
+        <p14:creationId xmlns:p14="http://schemas.microsoft.com/office/powerpoint/2010/main" val="14958889"/>
+      </p:ext>
+    </p:extLst>
+  </p:cSld>
+  <p:clrMapOvr>
+    <a:masterClrMapping/>
+  </p:clrMapOvr>
+</p:sld>
+</file>
+
+<file path=ppt/slides/slide4.xml><?xml version="1.0" encoding="utf-8"?>
+<p:sld xmlns:a="http://schemas.openxmlformats.org/drawingml/2006/main" xmlns:r="http://schemas.openxmlformats.org/officeDocument/2006/relationships" xmlns:p="http://schemas.openxmlformats.org/presentationml/2006/main" showMasterSp="0">
+  <p:cSld>
+    <p:bg>
+      <p:bgPr>
+        <a:gradFill flip="none" rotWithShape="1">
+          <a:gsLst>
+            <a:gs pos="0">
+              <a:srgbClr val="893EFF"/>
+            </a:gs>
+            <a:gs pos="52000">
+              <a:srgbClr val="4A2B9A"/>
+            </a:gs>
+            <a:gs pos="100000">
+              <a:srgbClr val="011625"/>
+            </a:gs>
+          </a:gsLst>
           <a:path path="circle">
             <a:fillToRect l="100000" t="100000"/>
           </a:path>
@@ -11003,7 +11557,7 @@
 </p:sld>
 </file>
 
-<file path=ppt/slides/slide4.xml><?xml version="1.0" encoding="utf-8"?>
+<file path=ppt/slides/slide5.xml><?xml version="1.0" encoding="utf-8"?>
 <p:sld xmlns:a="http://schemas.openxmlformats.org/drawingml/2006/main" xmlns:r="http://schemas.openxmlformats.org/officeDocument/2006/relationships" xmlns:p="http://schemas.openxmlformats.org/presentationml/2006/main">
   <p:cSld>
     <p:bg>
@@ -11422,7 +11976,7 @@
 </p:sld>
 </file>
 
-<file path=ppt/slides/slide5.xml><?xml version="1.0" encoding="utf-8"?>
+<file path=ppt/slides/slide6.xml><?xml version="1.0" encoding="utf-8"?>
 <p:sld xmlns:a="http://schemas.openxmlformats.org/drawingml/2006/main" xmlns:r="http://schemas.openxmlformats.org/officeDocument/2006/relationships" xmlns:p="http://schemas.openxmlformats.org/presentationml/2006/main">
   <p:cSld>
     <p:bg>
@@ -11649,7 +12203,7 @@
 </p:sld>
 </file>
 
-<file path=ppt/slides/slide6.xml><?xml version="1.0" encoding="utf-8"?>
+<file path=ppt/slides/slide7.xml><?xml version="1.0" encoding="utf-8"?>
 <p:sld xmlns:a="http://schemas.openxmlformats.org/drawingml/2006/main" xmlns:r="http://schemas.openxmlformats.org/officeDocument/2006/relationships" xmlns:p="http://schemas.openxmlformats.org/presentationml/2006/main">
   <p:cSld>
     <p:bg>
@@ -12539,7 +13093,7 @@
 </p:sld>
 </file>
 
-<file path=ppt/slides/slide7.xml><?xml version="1.0" encoding="utf-8"?>
+<file path=ppt/slides/slide8.xml><?xml version="1.0" encoding="utf-8"?>
 <p:sld xmlns:a="http://schemas.openxmlformats.org/drawingml/2006/main" xmlns:r="http://schemas.openxmlformats.org/officeDocument/2006/relationships" xmlns:p="http://schemas.openxmlformats.org/presentationml/2006/main">
   <p:cSld>
     <p:bg>
@@ -13429,7 +13983,7 @@
 </p:sld>
 </file>
 
-<file path=ppt/slides/slide8.xml><?xml version="1.0" encoding="utf-8"?>
+<file path=ppt/slides/slide9.xml><?xml version="1.0" encoding="utf-8"?>
 <p:sld xmlns:a="http://schemas.openxmlformats.org/drawingml/2006/main" xmlns:r="http://schemas.openxmlformats.org/officeDocument/2006/relationships" xmlns:p="http://schemas.openxmlformats.org/presentationml/2006/main">
   <p:cSld>
     <p:bg>
@@ -14242,337 +14796,6 @@
     <p:extLst>
       <p:ext uri="{BB962C8B-B14F-4D97-AF65-F5344CB8AC3E}">
         <p14:creationId xmlns:p14="http://schemas.microsoft.com/office/powerpoint/2010/main" val="2605837211"/>
-      </p:ext>
-    </p:extLst>
-  </p:cSld>
-  <p:clrMapOvr>
-    <a:masterClrMapping/>
-  </p:clrMapOvr>
-</p:sld>
-</file>
-
-<file path=ppt/slides/slide9.xml><?xml version="1.0" encoding="utf-8"?>
-<p:sld xmlns:a="http://schemas.openxmlformats.org/drawingml/2006/main" xmlns:r="http://schemas.openxmlformats.org/officeDocument/2006/relationships" xmlns:p="http://schemas.openxmlformats.org/presentationml/2006/main">
-  <p:cSld>
-    <p:bg>
-      <p:bgPr>
-        <a:gradFill flip="none" rotWithShape="1">
-          <a:gsLst>
-            <a:gs pos="0">
-              <a:srgbClr val="666699"/>
-            </a:gs>
-            <a:gs pos="100000">
-              <a:srgbClr val="011625"/>
-            </a:gs>
-          </a:gsLst>
-          <a:path path="rect">
-            <a:fillToRect l="100000" t="100000"/>
-          </a:path>
-          <a:tileRect r="-100000" b="-100000"/>
-        </a:gradFill>
-        <a:effectLst/>
-      </p:bgPr>
-    </p:bg>
-    <p:spTree>
-      <p:nvGrpSpPr>
-        <p:cNvPr id="1" name="">
-          <a:extLst>
-            <a:ext uri="{FF2B5EF4-FFF2-40B4-BE49-F238E27FC236}">
-              <a16:creationId xmlns:a16="http://schemas.microsoft.com/office/drawing/2014/main" id="{9B07C94D-8D7A-2F1D-15DC-605809A07E00}"/>
-            </a:ext>
-          </a:extLst>
-        </p:cNvPr>
-        <p:cNvGrpSpPr/>
-        <p:nvPr/>
-      </p:nvGrpSpPr>
-      <p:grpSpPr>
-        <a:xfrm>
-          <a:off x="0" y="0"/>
-          <a:ext cx="0" cy="0"/>
-          <a:chOff x="0" y="0"/>
-          <a:chExt cx="0" cy="0"/>
-        </a:xfrm>
-      </p:grpSpPr>
-      <p:sp>
-        <p:nvSpPr>
-          <p:cNvPr id="2" name="Retângulo: Cantos Arredondados 1">
-            <a:extLst>
-              <a:ext uri="{FF2B5EF4-FFF2-40B4-BE49-F238E27FC236}">
-                <a16:creationId xmlns:a16="http://schemas.microsoft.com/office/drawing/2014/main" id="{A84C15DB-1ECC-1254-D5E0-84C649307ED8}"/>
-              </a:ext>
-            </a:extLst>
-          </p:cNvPr>
-          <p:cNvSpPr/>
-          <p:nvPr/>
-        </p:nvSpPr>
-        <p:spPr>
-          <a:xfrm>
-            <a:off x="1469003" y="1564419"/>
-            <a:ext cx="2464905" cy="1162878"/>
-          </a:xfrm>
-          <a:prstGeom prst="roundRect">
-            <a:avLst>
-              <a:gd name="adj" fmla="val 11539"/>
-            </a:avLst>
-          </a:prstGeom>
-          <a:solidFill>
-            <a:srgbClr val="1E1E1E"/>
-          </a:solidFill>
-          <a:ln>
-            <a:solidFill>
-              <a:schemeClr val="tx2">
-                <a:lumMod val="75000"/>
-              </a:schemeClr>
-            </a:solidFill>
-          </a:ln>
-        </p:spPr>
-        <p:style>
-          <a:lnRef idx="2">
-            <a:schemeClr val="accent1">
-              <a:shade val="15000"/>
-            </a:schemeClr>
-          </a:lnRef>
-          <a:fillRef idx="1">
-            <a:schemeClr val="accent1"/>
-          </a:fillRef>
-          <a:effectRef idx="0">
-            <a:schemeClr val="accent1"/>
-          </a:effectRef>
-          <a:fontRef idx="minor">
-            <a:schemeClr val="lt1"/>
-          </a:fontRef>
-        </p:style>
-        <p:txBody>
-          <a:bodyPr rtlCol="0" anchor="ctr"/>
-          <a:lstStyle/>
-          <a:p>
-            <a:pPr algn="ctr"/>
-            <a:r>
-              <a:rPr lang="pt-BR" sz="2400" dirty="0"/>
-              <a:t>#1E1E1E</a:t>
-            </a:r>
-          </a:p>
-        </p:txBody>
-      </p:sp>
-      <p:sp>
-        <p:nvSpPr>
-          <p:cNvPr id="3" name="Retângulo: Cantos Arredondados 2">
-            <a:extLst>
-              <a:ext uri="{FF2B5EF4-FFF2-40B4-BE49-F238E27FC236}">
-                <a16:creationId xmlns:a16="http://schemas.microsoft.com/office/drawing/2014/main" id="{D2307D05-111A-1E32-63BC-679FFDC2D59D}"/>
-              </a:ext>
-            </a:extLst>
-          </p:cNvPr>
-          <p:cNvSpPr/>
-          <p:nvPr/>
-        </p:nvSpPr>
-        <p:spPr>
-          <a:xfrm>
-            <a:off x="0" y="4702383"/>
-            <a:ext cx="2464905" cy="626165"/>
-          </a:xfrm>
-          <a:prstGeom prst="roundRect">
-            <a:avLst>
-              <a:gd name="adj" fmla="val 20086"/>
-            </a:avLst>
-          </a:prstGeom>
-          <a:noFill/>
-          <a:ln>
-            <a:noFill/>
-          </a:ln>
-        </p:spPr>
-        <p:style>
-          <a:lnRef idx="2">
-            <a:schemeClr val="accent1">
-              <a:shade val="15000"/>
-            </a:schemeClr>
-          </a:lnRef>
-          <a:fillRef idx="1">
-            <a:schemeClr val="accent1"/>
-          </a:fillRef>
-          <a:effectRef idx="0">
-            <a:schemeClr val="accent1"/>
-          </a:effectRef>
-          <a:fontRef idx="minor">
-            <a:schemeClr val="lt1"/>
-          </a:fontRef>
-        </p:style>
-        <p:txBody>
-          <a:bodyPr rtlCol="0" anchor="ctr"/>
-          <a:lstStyle/>
-          <a:p>
-            <a:pPr algn="ctr"/>
-            <a:r>
-              <a:rPr lang="pt-BR" sz="3200" dirty="0"/>
-              <a:t>#011625</a:t>
-            </a:r>
-          </a:p>
-        </p:txBody>
-      </p:sp>
-      <p:sp>
-        <p:nvSpPr>
-          <p:cNvPr id="4" name="Retângulo: Cantos Arredondados 3">
-            <a:extLst>
-              <a:ext uri="{FF2B5EF4-FFF2-40B4-BE49-F238E27FC236}">
-                <a16:creationId xmlns:a16="http://schemas.microsoft.com/office/drawing/2014/main" id="{6AEA91F0-D00C-9147-7C26-8A5F94662D00}"/>
-              </a:ext>
-            </a:extLst>
-          </p:cNvPr>
-          <p:cNvSpPr/>
-          <p:nvPr/>
-        </p:nvSpPr>
-        <p:spPr>
-          <a:xfrm>
-            <a:off x="8050696" y="2574235"/>
-            <a:ext cx="2464905" cy="626165"/>
-          </a:xfrm>
-          <a:prstGeom prst="roundRect">
-            <a:avLst>
-              <a:gd name="adj" fmla="val 20086"/>
-            </a:avLst>
-          </a:prstGeom>
-          <a:noFill/>
-          <a:ln>
-            <a:noFill/>
-          </a:ln>
-        </p:spPr>
-        <p:style>
-          <a:lnRef idx="2">
-            <a:schemeClr val="accent1">
-              <a:shade val="15000"/>
-            </a:schemeClr>
-          </a:lnRef>
-          <a:fillRef idx="1">
-            <a:schemeClr val="accent1"/>
-          </a:fillRef>
-          <a:effectRef idx="0">
-            <a:schemeClr val="accent1"/>
-          </a:effectRef>
-          <a:fontRef idx="minor">
-            <a:schemeClr val="lt1"/>
-          </a:fontRef>
-        </p:style>
-        <p:txBody>
-          <a:bodyPr rtlCol="0" anchor="ctr"/>
-          <a:lstStyle/>
-          <a:p>
-            <a:pPr algn="ctr"/>
-            <a:r>
-              <a:rPr lang="pt-BR" sz="3200" dirty="0"/>
-              <a:t>#666699</a:t>
-            </a:r>
-          </a:p>
-        </p:txBody>
-      </p:sp>
-      <p:sp>
-        <p:nvSpPr>
-          <p:cNvPr id="5" name="Retângulo: Cantos Arredondados 4">
-            <a:extLst>
-              <a:ext uri="{FF2B5EF4-FFF2-40B4-BE49-F238E27FC236}">
-                <a16:creationId xmlns:a16="http://schemas.microsoft.com/office/drawing/2014/main" id="{A09CBEC3-D999-8350-321D-443467C0EFE7}"/>
-              </a:ext>
-            </a:extLst>
-          </p:cNvPr>
-          <p:cNvSpPr/>
-          <p:nvPr/>
-        </p:nvSpPr>
-        <p:spPr>
-          <a:xfrm>
-            <a:off x="4123027" y="1564419"/>
-            <a:ext cx="2464905" cy="1162878"/>
-          </a:xfrm>
-          <a:prstGeom prst="roundRect">
-            <a:avLst>
-              <a:gd name="adj" fmla="val 11539"/>
-            </a:avLst>
-          </a:prstGeom>
-          <a:solidFill>
-            <a:srgbClr val="102236"/>
-          </a:solidFill>
-          <a:ln>
-            <a:solidFill>
-              <a:schemeClr val="tx2">
-                <a:lumMod val="75000"/>
-              </a:schemeClr>
-            </a:solidFill>
-          </a:ln>
-        </p:spPr>
-        <p:style>
-          <a:lnRef idx="2">
-            <a:schemeClr val="accent1">
-              <a:shade val="15000"/>
-            </a:schemeClr>
-          </a:lnRef>
-          <a:fillRef idx="1">
-            <a:schemeClr val="accent1"/>
-          </a:fillRef>
-          <a:effectRef idx="0">
-            <a:schemeClr val="accent1"/>
-          </a:effectRef>
-          <a:fontRef idx="minor">
-            <a:schemeClr val="lt1"/>
-          </a:fontRef>
-        </p:style>
-        <p:txBody>
-          <a:bodyPr rtlCol="0" anchor="ctr"/>
-          <a:lstStyle/>
-          <a:p>
-            <a:pPr algn="ctr"/>
-            <a:r>
-              <a:rPr lang="pt-BR" sz="2400" dirty="0"/>
-              <a:t>#102236</a:t>
-            </a:r>
-          </a:p>
-        </p:txBody>
-      </p:sp>
-      <p:sp>
-        <p:nvSpPr>
-          <p:cNvPr id="6" name="Retângulo 5">
-            <a:extLst>
-              <a:ext uri="{FF2B5EF4-FFF2-40B4-BE49-F238E27FC236}">
-                <a16:creationId xmlns:a16="http://schemas.microsoft.com/office/drawing/2014/main" id="{713B93F8-5F22-41AB-A49C-392DCF0F8BCC}"/>
-              </a:ext>
-            </a:extLst>
-          </p:cNvPr>
-          <p:cNvSpPr/>
-          <p:nvPr/>
-        </p:nvSpPr>
-        <p:spPr>
-          <a:xfrm>
-            <a:off x="799348" y="201863"/>
-            <a:ext cx="3881127" cy="923330"/>
-          </a:xfrm>
-          <a:prstGeom prst="rect">
-            <a:avLst/>
-          </a:prstGeom>
-          <a:noFill/>
-        </p:spPr>
-        <p:txBody>
-          <a:bodyPr wrap="none" lIns="91440" tIns="45720" rIns="91440" bIns="45720">
-            <a:spAutoFit/>
-          </a:bodyPr>
-          <a:lstStyle/>
-          <a:p>
-            <a:pPr algn="ctr"/>
-            <a:r>
-              <a:rPr lang="pt-BR" sz="5400" b="1" cap="none" spc="0" dirty="0">
-                <a:ln w="0"/>
-                <a:solidFill>
-                  <a:schemeClr val="bg1"/>
-                </a:solidFill>
-                <a:effectLst>
-                  <a:reflection blurRad="6350" stA="53000" endA="300" endPos="35500" dir="5400000" sy="-90000" algn="bl" rotWithShape="0"/>
-                </a:effectLst>
-              </a:rPr>
-              <a:t>DASHBOARD</a:t>
-            </a:r>
-          </a:p>
-        </p:txBody>
-      </p:sp>
-    </p:spTree>
-    <p:extLst>
-      <p:ext uri="{BB962C8B-B14F-4D97-AF65-F5344CB8AC3E}">
-        <p14:creationId xmlns:p14="http://schemas.microsoft.com/office/powerpoint/2010/main" val="3463716258"/>
       </p:ext>
     </p:extLst>
   </p:cSld>
